--- a/Apex Challenges.pptx
+++ b/Apex Challenges.pptx
@@ -131,35 +131,6 @@
     </p:ext>
   </p:extLst>
 </p:presentation>
-</file>
-
-<file path=ppt/ink/ink1.xml><?xml version="1.0" encoding="utf-8"?>
-<inkml:ink xmlns:inkml="http://www.w3.org/2003/InkML">
-  <inkml:definitions>
-    <inkml:context xml:id="ctx0">
-      <inkml:inkSource xml:id="inkSrc0">
-        <inkml:traceFormat>
-          <inkml:channel name="X" type="integer" max="3840" units="cm"/>
-          <inkml:channel name="Y" type="integer" max="1080" units="cm"/>
-          <inkml:channel name="T" type="integer" max="2.14748E9" units="dev"/>
-        </inkml:traceFormat>
-        <inkml:channelProperties>
-          <inkml:channelProperty channel="X" name="resolution" value="111.62791" units="1/cm"/>
-          <inkml:channelProperty channel="Y" name="resolution" value="55.6701" units="1/cm"/>
-          <inkml:channelProperty channel="T" name="resolution" value="1" units="1/dev"/>
-        </inkml:channelProperties>
-      </inkml:inkSource>
-      <inkml:timestamp xml:id="ts0" timeString="2024-06-24T09:25:39.832"/>
-    </inkml:context>
-    <inkml:brush xml:id="br0">
-      <inkml:brushProperty name="width" value="0.05292" units="cm"/>
-      <inkml:brushProperty name="height" value="0.05292" units="cm"/>
-      <inkml:brushProperty name="color" value="#FF0000"/>
-    </inkml:brush>
-  </inkml:definitions>
-  <inkml:trace contextRef="#ctx0" brushRef="#br0">19614 12506 0,'71'0'78,"-18"0"-78,53 0 16,70 0-16,36 0 15,229-18 1,-265 1-1,71-54 1,-229 71-16</inkml:trace>
-  <inkml:trace contextRef="#ctx0" brushRef="#br0" timeOffset="17357.253">19509 12577 0,'0'-53'203,"-18"17"-203,18-17 16,-18 18-16,18 0 16,-35-71-1,17 18 1,18-53 15,-35 35-31,35 71 16,0-54-1,0 54 1,0-71-16,-18 89 16,18-54-1,-17-17 1,-1 53-16,-17-71 16,17 18-1,18 35 1,-35-88-1,17 88-15,-17-106 16,35 71 0,-18 35-16,18-124 15,0 89 1,0 0-16,0-53 16,0 88-1,0-88 1,0 70-16,53-123 15,-35 124 1,17-1 0,18-88-16,-35 89 15,52-71 1,-70 123-16,36-17 16,17-71-16,17 0 15,-17 71 1,35-36-16,18 1 15,-35 35 1,-1 17-16,1-17 16,17 17-16,88-35 15,-70 18 1,-53 17 0,53 0-16,88-34 15,18 16-15,17-17 16,36 36-1,334-36-15,-352 53 16,0 0 0,53 0-16,-282 0 15,17 0 48,-35 35-48,0 18-15,18 0 16,-18 35-16,17-70 16,-17 35-16,18 0 15,-18 0 1,35 105-16,-35-87 16,0 17-1,0 0-15,0-35 0,0 53 16,-18 53-1,1 17-15,-36 177 16,0-141 0,-18-18-16,54-53 15,-18 0-15,-36 106 16,71-194 0,0 17-16,0 1 15,0 105 1,0-105-16,0 17 15,0 88 1,0-52-16,0 52 16,0-88-1,0 36-15,-18-1 16,18 89-16,0-89 16,0 1-1,-17-36 1,-1 36-16,18-107 15,-18-17 64,1 35-64,-54-17-15,-17-18 16,17 35-16,-70-17 15,-106 0 1,0 17 0,177-17-1,-54-1 1,54-17 0,52 0-16,1 0 78,-1-17 0,-17-1-63,-18-17-15,17-18 16,1 0 0,-18 18-16,-17-18 15,-18 0 1,70 53 31</inkml:trace>
-</inkml:ink>
 </file>
 
 <file path=ppt/slideLayouts/slideLayout1.xml><?xml version="1.0" encoding="utf-8"?>
@@ -8018,57 +7989,6 @@
           </a:ln>
         </p:spPr>
       </p:pic>
-      <mc:AlternateContent xmlns:mc="http://schemas.openxmlformats.org/markup-compatibility/2006">
-        <mc:Choice xmlns:p14="http://schemas.microsoft.com/office/powerpoint/2010/main" Requires="p14">
-          <p:contentPart p14:bwMode="auto" r:id="rId4">
-            <p14:nvContentPartPr>
-              <p14:cNvPr id="2" name="Ink 1">
-                <a:extLst>
-                  <a:ext uri="{FF2B5EF4-FFF2-40B4-BE49-F238E27FC236}">
-                    <a16:creationId xmlns:a16="http://schemas.microsoft.com/office/drawing/2014/main" id="{8642E1AD-3AC2-4527-BC1C-1BB629EA7FFB}"/>
-                  </a:ext>
-                </a:extLst>
-              </p14:cNvPr>
-              <p14:cNvContentPartPr/>
-              <p14:nvPr/>
-            </p14:nvContentPartPr>
-            <p14:xfrm>
-              <a:off x="6902280" y="3009960"/>
-              <a:ext cx="1378440" cy="1733760"/>
-            </p14:xfrm>
-          </p:contentPart>
-        </mc:Choice>
-        <mc:Fallback>
-          <p:pic>
-            <p:nvPicPr>
-              <p:cNvPr id="2" name="Ink 1">
-                <a:extLst>
-                  <a:ext uri="{FF2B5EF4-FFF2-40B4-BE49-F238E27FC236}">
-                    <a16:creationId xmlns:a16="http://schemas.microsoft.com/office/drawing/2014/main" id="{8642E1AD-3AC2-4527-BC1C-1BB629EA7FFB}"/>
-                  </a:ext>
-                </a:extLst>
-              </p:cNvPr>
-              <p:cNvPicPr/>
-              <p:nvPr/>
-            </p:nvPicPr>
-            <p:blipFill>
-              <a:blip r:embed="rId5"/>
-              <a:stretch>
-                <a:fillRect/>
-              </a:stretch>
-            </p:blipFill>
-            <p:spPr>
-              <a:xfrm>
-                <a:off x="6892920" y="3000600"/>
-                <a:ext cx="1397160" cy="1752480"/>
-              </a:xfrm>
-              <a:prstGeom prst="rect">
-                <a:avLst/>
-              </a:prstGeom>
-            </p:spPr>
-          </p:pic>
-        </mc:Fallback>
-      </mc:AlternateContent>
     </p:spTree>
     <p:extLst>
       <p:ext uri="{BB962C8B-B14F-4D97-AF65-F5344CB8AC3E}">
